--- a/Causal_Thinkers_Submission_Final/CS752_Project_Presentation.pptx
+++ b/Causal_Thinkers_Submission_Final/CS752_Project_Presentation.pptx
@@ -7425,7 +7425,7 @@
             <a:tbl>
               <a:tblPr>
                 <a:noFill/>
-                <a:tableStyleId>{840D7B11-E3C3-4CD6-99B3-6E6A8ECA8530}</a:tableStyleId>
+                <a:tableStyleId>{F7447552-FBF1-4F5B-9167-B5B39D69114C}</a:tableStyleId>
               </a:tblPr>
               <a:tblGrid>
                 <a:gridCol w="1106800"/>
@@ -8855,7 +8855,7 @@
         </p:nvSpPr>
         <p:spPr>
           <a:xfrm>
-            <a:off x="311700" y="445025"/>
+            <a:off x="311700" y="368825"/>
             <a:ext cx="8520600" cy="572700"/>
           </a:xfrm>
           <a:prstGeom prst="rect">
@@ -8895,8 +8895,8 @@
         </p:nvSpPr>
         <p:spPr>
           <a:xfrm>
-            <a:off x="311700" y="1032859"/>
-            <a:ext cx="8520600" cy="3843000"/>
+            <a:off x="311700" y="880449"/>
+            <a:ext cx="8520600" cy="4161900"/>
           </a:xfrm>
           <a:prstGeom prst="rect">
             <a:avLst/>
@@ -8909,9 +8909,6 @@
           <a:lstStyle/>
           <a:p>
             <a:pPr indent="0" lvl="0" marL="0" rtl="0" algn="l">
-              <a:lnSpc>
-                <a:spcPct val="105000"/>
-              </a:lnSpc>
               <a:spcBef>
                 <a:spcPts val="0"/>
               </a:spcBef>
@@ -8926,14 +8923,14 @@
               <a:buNone/>
             </a:pPr>
             <a:r>
-              <a:rPr lang="en-GB" sz="1200">
+              <a:rPr lang="en-GB" sz="1300">
                 <a:solidFill>
                   <a:schemeClr val="dk1"/>
                 </a:solidFill>
               </a:rPr>
               <a:t>[1] Singh, Paramjit, and Surinder Kumar. "Demographic dividend in the age of neoliberal capitalism: an analysis of employment and employability in India." The Indian Journal of Labour Economics 64.3 (2021): 595-619. </a:t>
             </a:r>
-            <a:endParaRPr sz="1200">
+            <a:endParaRPr sz="1300">
               <a:solidFill>
                 <a:schemeClr val="dk1"/>
               </a:solidFill>
@@ -8941,9 +8938,6 @@
           </a:p>
           <a:p>
             <a:pPr indent="0" lvl="0" marL="0" rtl="0" algn="l">
-              <a:lnSpc>
-                <a:spcPct val="105000"/>
-              </a:lnSpc>
               <a:spcBef>
                 <a:spcPts val="400"/>
               </a:spcBef>
@@ -8958,14 +8952,14 @@
               <a:buNone/>
             </a:pPr>
             <a:r>
-              <a:rPr lang="en-GB" sz="1200">
+              <a:rPr lang="en-GB" sz="1300">
                 <a:solidFill>
                   <a:schemeClr val="dk1"/>
                 </a:solidFill>
               </a:rPr>
               <a:t>[2] Parida, Jajati Keshari, and S. Madheswaran. "Harnessing demographic dividend before it is lost forever in India." The Indian Journal of Labour Economics 66.1 (2023): 61-79. </a:t>
             </a:r>
-            <a:endParaRPr sz="1200">
+            <a:endParaRPr sz="1300">
               <a:solidFill>
                 <a:schemeClr val="dk1"/>
               </a:solidFill>
@@ -8973,9 +8967,6 @@
           </a:p>
           <a:p>
             <a:pPr indent="0" lvl="0" marL="0" rtl="0" algn="l">
-              <a:lnSpc>
-                <a:spcPct val="105000"/>
-              </a:lnSpc>
               <a:spcBef>
                 <a:spcPts val="400"/>
               </a:spcBef>
@@ -8990,14 +8981,17 @@
               <a:buNone/>
             </a:pPr>
             <a:r>
-              <a:rPr lang="en-GB" sz="1200">
+              <a:rPr lang="en-GB" sz="1300">
                 <a:solidFill>
                   <a:schemeClr val="dk1"/>
                 </a:solidFill>
+                <a:highlight>
+                  <a:srgbClr val="FFFFFF"/>
+                </a:highlight>
               </a:rPr>
-              <a:t>[3] Oghenekohwo, Jonathan E., and Ekima A. Frank-Oputu. "Literacy education and sustainable development in developing societies." International Journal of Education and Literacy Studies 5.2 (2017): 126-131. </a:t>
+              <a:t>[3] Thomas, A., Joumard, I., Hanappi, T. and Harding, M., 2017. Taxation and investment in India. OECD Economic Department Working Papers, (1397).</a:t>
             </a:r>
-            <a:endParaRPr sz="1200">
+            <a:endParaRPr sz="1300">
               <a:solidFill>
                 <a:schemeClr val="dk1"/>
               </a:solidFill>
@@ -9005,9 +8999,6 @@
           </a:p>
           <a:p>
             <a:pPr indent="0" lvl="0" marL="0" rtl="0" algn="l">
-              <a:lnSpc>
-                <a:spcPct val="105000"/>
-              </a:lnSpc>
               <a:spcBef>
                 <a:spcPts val="400"/>
               </a:spcBef>
@@ -9022,14 +9013,33 @@
               <a:buNone/>
             </a:pPr>
             <a:r>
-              <a:rPr lang="en-GB" sz="1200">
+              <a:rPr lang="en-GB" sz="1300">
                 <a:solidFill>
                   <a:schemeClr val="dk1"/>
                 </a:solidFill>
               </a:rPr>
-              <a:t>[4] Naik, Kasturi, and Anita Bobade. "Youth in India: Demographic Dividend or Demographic Disaster." 9th Annual Conference of the EuroMed Academy of Business. 2016. </a:t>
+              <a:t>[4] </a:t>
             </a:r>
-            <a:endParaRPr sz="1200">
+            <a:r>
+              <a:rPr lang="en-GB" sz="1300">
+                <a:solidFill>
+                  <a:schemeClr val="dk1"/>
+                </a:solidFill>
+                <a:highlight>
+                  <a:srgbClr val="FFFFFF"/>
+                </a:highlight>
+              </a:rPr>
+              <a:t>Deb, R. and Baruah, D., 2021. Prioritising GDP or Tax Revenues: Indian Economists’ Dilemma. SEDME (Small Enterprises Development, Management &amp; Extension Journal), 48(2), pp.160-176.</a:t>
+            </a:r>
+            <a:r>
+              <a:rPr lang="en-GB" sz="1300">
+                <a:solidFill>
+                  <a:schemeClr val="dk1"/>
+                </a:solidFill>
+              </a:rPr>
+              <a:t> </a:t>
+            </a:r>
+            <a:endParaRPr sz="1300">
               <a:solidFill>
                 <a:schemeClr val="dk1"/>
               </a:solidFill>
@@ -9037,9 +9047,6 @@
           </a:p>
           <a:p>
             <a:pPr indent="0" lvl="0" marL="0" rtl="0" algn="l">
-              <a:lnSpc>
-                <a:spcPct val="105000"/>
-              </a:lnSpc>
               <a:spcBef>
                 <a:spcPts val="400"/>
               </a:spcBef>
@@ -9054,14 +9061,14 @@
               <a:buNone/>
             </a:pPr>
             <a:r>
-              <a:rPr lang="en-GB" sz="1200">
+              <a:rPr lang="en-GB" sz="1300">
                 <a:solidFill>
                   <a:schemeClr val="dk1"/>
                 </a:solidFill>
               </a:rPr>
-              <a:t>[5] Hans, V., 2023. India's Demographic Dividend: Opportunities and Policies. India's Demographic Dividend: Opportunities and Policies (October 22, 2023). </a:t>
+              <a:t>[5] Naik, Kasturi, and Anita Bobade. "Youth in India: Demographic Dividend or Demographic Disaster." 9th Annual Conference of the EuroMed Academy of Business. 2016. </a:t>
             </a:r>
-            <a:endParaRPr sz="1200">
+            <a:endParaRPr sz="1300">
               <a:solidFill>
                 <a:schemeClr val="dk1"/>
               </a:solidFill>
@@ -9069,9 +9076,6 @@
           </a:p>
           <a:p>
             <a:pPr indent="0" lvl="0" marL="0" rtl="0" algn="l">
-              <a:lnSpc>
-                <a:spcPct val="105000"/>
-              </a:lnSpc>
               <a:spcBef>
                 <a:spcPts val="400"/>
               </a:spcBef>
@@ -9086,14 +9090,25 @@
               <a:buNone/>
             </a:pPr>
             <a:r>
-              <a:rPr lang="en-GB" sz="1200">
+              <a:rPr lang="en-GB" sz="1300">
                 <a:solidFill>
                   <a:schemeClr val="dk1"/>
                 </a:solidFill>
               </a:rPr>
-              <a:t>[6] Jain, N. and Goli, S., 2022. Potential demographic dividend for India, 2001 to 2061: a macro-simulation projection using the spectrum model. SN Social Sciences, 2(9), p.171. </a:t>
+              <a:t>[6] </a:t>
             </a:r>
-            <a:endParaRPr sz="1200">
+            <a:r>
+              <a:rPr lang="en-GB" sz="1300">
+                <a:solidFill>
+                  <a:schemeClr val="dk1"/>
+                </a:solidFill>
+                <a:highlight>
+                  <a:srgbClr val="FFFFFF"/>
+                </a:highlight>
+              </a:rPr>
+              <a:t>Sanghi, S. and Srija, A., 2015. Skill development and productivity of the workforce. Economy Matters, pp.36-51.</a:t>
+            </a:r>
+            <a:endParaRPr sz="1300">
               <a:solidFill>
                 <a:schemeClr val="dk1"/>
               </a:solidFill>
@@ -9101,9 +9116,6 @@
           </a:p>
           <a:p>
             <a:pPr indent="0" lvl="0" marL="0" rtl="0" algn="l">
-              <a:lnSpc>
-                <a:spcPct val="105000"/>
-              </a:lnSpc>
               <a:spcBef>
                 <a:spcPts val="400"/>
               </a:spcBef>
@@ -9118,14 +9130,33 @@
               <a:buNone/>
             </a:pPr>
             <a:r>
-              <a:rPr lang="en-GB" sz="1200">
+              <a:rPr lang="en-GB" sz="1300">
                 <a:solidFill>
                   <a:schemeClr val="dk1"/>
                 </a:solidFill>
               </a:rPr>
-              <a:t>[7] Nejat, E.R.K., Çabuk, H.A. and Sanlı, A.T.E.Ş., Long-Run Growth and Physical Capital-Human Capital Concentration. </a:t>
+              <a:t>[7] </a:t>
             </a:r>
-            <a:endParaRPr sz="1200">
+            <a:r>
+              <a:rPr lang="en-GB" sz="1300">
+                <a:solidFill>
+                  <a:schemeClr val="dk1"/>
+                </a:solidFill>
+                <a:highlight>
+                  <a:srgbClr val="FFFFFF"/>
+                </a:highlight>
+              </a:rPr>
+              <a:t>Palei, T., 2015. Assessing the impact of infrastructure on economic growth and global competitiveness. Procedia Economics and Finance, 23, pp.168-175.</a:t>
+            </a:r>
+            <a:r>
+              <a:rPr lang="en-GB" sz="1300">
+                <a:solidFill>
+                  <a:schemeClr val="dk1"/>
+                </a:solidFill>
+              </a:rPr>
+              <a:t> </a:t>
+            </a:r>
+            <a:endParaRPr sz="1300">
               <a:solidFill>
                 <a:schemeClr val="dk1"/>
               </a:solidFill>
@@ -9133,14 +9164,11 @@
           </a:p>
           <a:p>
             <a:pPr indent="0" lvl="0" marL="0" rtl="0" algn="l">
-              <a:lnSpc>
-                <a:spcPct val="105000"/>
-              </a:lnSpc>
               <a:spcBef>
                 <a:spcPts val="400"/>
               </a:spcBef>
               <a:spcAft>
-                <a:spcPts val="0"/>
+                <a:spcPts val="400"/>
               </a:spcAft>
               <a:buClr>
                 <a:schemeClr val="dk1"/>
@@ -9150,76 +9178,18 @@
               <a:buNone/>
             </a:pPr>
             <a:r>
-              <a:rPr lang="en-GB" sz="1200">
+              <a:rPr lang="en-GB" sz="1300">
                 <a:solidFill>
                   <a:schemeClr val="dk1"/>
                 </a:solidFill>
               </a:rPr>
-              <a:t>[8]</a:t>
+              <a:t>[8] Nejat, E.R.K., Çabuk, H.A. and Sanlı, A.T.E.Ş., Long-Run Growth and Physical Capital-Human Capital Concentration.</a:t>
             </a:r>
-            <a:r>
-              <a:rPr lang="en-GB" sz="1200" u="sng">
-                <a:solidFill>
-                  <a:srgbClr val="1155CC"/>
-                </a:solidFill>
-                <a:hlinkClick r:id="rId3">
-                  <a:extLst>
-                    <a:ext uri="{A12FA001-AC4F-418D-AE19-62706E023703}">
-                      <ahyp:hlinkClr val="tx"/>
-                    </a:ext>
-                  </a:extLst>
-                </a:hlinkClick>
-              </a:rPr>
-              <a:t>https://www.indiatvnews.com/news/india/sonia-gandhi-demands-raising-minimum-wages-guaran teed-workdays-under-mgnrega-parliament-budget-session-2025-03-18-981118</a:t>
-            </a:r>
-            <a:endParaRPr sz="1200">
+            <a:endParaRPr sz="1300">
               <a:solidFill>
                 <a:schemeClr val="dk1"/>
               </a:solidFill>
             </a:endParaRPr>
-          </a:p>
-          <a:p>
-            <a:pPr indent="0" lvl="0" marL="0" rtl="0" algn="l">
-              <a:lnSpc>
-                <a:spcPct val="105000"/>
-              </a:lnSpc>
-              <a:spcBef>
-                <a:spcPts val="400"/>
-              </a:spcBef>
-              <a:spcAft>
-                <a:spcPts val="400"/>
-              </a:spcAft>
-              <a:buClr>
-                <a:schemeClr val="dk1"/>
-              </a:buClr>
-              <a:buSzPts val="1100"/>
-              <a:buFont typeface="Arial"/>
-              <a:buNone/>
-            </a:pPr>
-            <a:r>
-              <a:rPr lang="en-GB" sz="1200">
-                <a:solidFill>
-                  <a:schemeClr val="dk1"/>
-                </a:solidFill>
-              </a:rPr>
-              <a:t>[9]</a:t>
-            </a:r>
-            <a:r>
-              <a:rPr lang="en-GB" sz="1200" u="sng">
-                <a:solidFill>
-                  <a:srgbClr val="1155CC"/>
-                </a:solidFill>
-                <a:hlinkClick r:id="rId4">
-                  <a:extLst>
-                    <a:ext uri="{A12FA001-AC4F-418D-AE19-62706E023703}">
-                      <ahyp:hlinkClr val="tx"/>
-                    </a:ext>
-                  </a:extLst>
-                </a:hlinkClick>
-              </a:rPr>
-              <a:t>https://www.cnbctv18.com/business/finance/fy23-direct-tax-collection-interesting-facts-income-tax-data-19468376.htm#:~:text=This%20means%20the%20average%20income,%E2%82%B97.2 4%20lakh%20in%20FY23</a:t>
-            </a:r>
-            <a:endParaRPr sz="1900"/>
           </a:p>
         </p:txBody>
       </p:sp>
@@ -10660,6 +10630,285 @@
 </file>
 
 <file path=ppt/theme/theme1.xml><?xml version="1.0" encoding="utf-8"?>
+<a:theme xmlns:a="http://schemas.openxmlformats.org/drawingml/2006/main" xmlns:r="http://schemas.openxmlformats.org/officeDocument/2006/relationships">
+  <a:themeElements>
+    <a:clrScheme name="Default">
+      <a:dk1>
+        <a:srgbClr val="000000"/>
+      </a:dk1>
+      <a:lt1>
+        <a:srgbClr val="FFFFFF"/>
+      </a:lt1>
+      <a:dk2>
+        <a:srgbClr val="158158"/>
+      </a:dk2>
+      <a:lt2>
+        <a:srgbClr val="F3F3F3"/>
+      </a:lt2>
+      <a:accent1>
+        <a:srgbClr val="058DC7"/>
+      </a:accent1>
+      <a:accent2>
+        <a:srgbClr val="50B432"/>
+      </a:accent2>
+      <a:accent3>
+        <a:srgbClr val="ED561B"/>
+      </a:accent3>
+      <a:accent4>
+        <a:srgbClr val="EDEF00"/>
+      </a:accent4>
+      <a:accent5>
+        <a:srgbClr val="24CBE5"/>
+      </a:accent5>
+      <a:accent6>
+        <a:srgbClr val="64E572"/>
+      </a:accent6>
+      <a:hlink>
+        <a:srgbClr val="2200CC"/>
+      </a:hlink>
+      <a:folHlink>
+        <a:srgbClr val="551A8B"/>
+      </a:folHlink>
+    </a:clrScheme>
+    <a:fontScheme name="Office">
+      <a:majorFont>
+        <a:latin typeface="Arial"/>
+        <a:ea typeface=""/>
+        <a:cs typeface=""/>
+        <a:font script="Jpan" typeface="ＭＳ Ｐゴシック"/>
+        <a:font script="Hang" typeface="맑은 고딕"/>
+        <a:font script="Hans" typeface="宋体"/>
+        <a:font script="Hant" typeface="新細明體"/>
+        <a:font script="Arab" typeface="Times New Roman"/>
+        <a:font script="Hebr" typeface="Times New Roman"/>
+        <a:font script="Thai" typeface="Angsana New"/>
+        <a:font script="Ethi" typeface="Nyala"/>
+        <a:font script="Beng" typeface="Vrinda"/>
+        <a:font script="Gujr" typeface="Shruti"/>
+        <a:font script="Khmr" typeface="MoolBoran"/>
+        <a:font script="Knda" typeface="Tunga"/>
+        <a:font script="Guru" typeface="Raavi"/>
+        <a:font script="Cans" typeface="Euphemia"/>
+        <a:font script="Cher" typeface="Plantagenet Cherokee"/>
+        <a:font script="Yiii" typeface="Microsoft Yi Baiti"/>
+        <a:font script="Tibt" typeface="Microsoft Himalaya"/>
+        <a:font script="Thaa" typeface="MV Boli"/>
+        <a:font script="Deva" typeface="Mangal"/>
+        <a:font script="Telu" typeface="Gautami"/>
+        <a:font script="Taml" typeface="Latha"/>
+        <a:font script="Syrc" typeface="Estrangelo Edessa"/>
+        <a:font script="Orya" typeface="Kalinga"/>
+        <a:font script="Mlym" typeface="Kartika"/>
+        <a:font script="Laoo" typeface="DokChampa"/>
+        <a:font script="Sinh" typeface="Iskoola Pota"/>
+        <a:font script="Mong" typeface="Mongolian Baiti"/>
+        <a:font script="Viet" typeface="Times New Roman"/>
+        <a:font script="Uigh" typeface="Microsoft Uighur"/>
+        <a:font script="Geor" typeface="Sylfaen"/>
+      </a:majorFont>
+      <a:minorFont>
+        <a:latin typeface="Arial"/>
+        <a:ea typeface=""/>
+        <a:cs typeface=""/>
+        <a:font script="Jpan" typeface="ＭＳ Ｐゴシック"/>
+        <a:font script="Hang" typeface="맑은 고딕"/>
+        <a:font script="Hans" typeface="宋体"/>
+        <a:font script="Hant" typeface="新細明體"/>
+        <a:font script="Arab" typeface="Arial"/>
+        <a:font script="Hebr" typeface="Arial"/>
+        <a:font script="Thai" typeface="Cordia New"/>
+        <a:font script="Ethi" typeface="Nyala"/>
+        <a:font script="Beng" typeface="Vrinda"/>
+        <a:font script="Gujr" typeface="Shruti"/>
+        <a:font script="Khmr" typeface="DaunPenh"/>
+        <a:font script="Knda" typeface="Tunga"/>
+        <a:font script="Guru" typeface="Raavi"/>
+        <a:font script="Cans" typeface="Euphemia"/>
+        <a:font script="Cher" typeface="Plantagenet Cherokee"/>
+        <a:font script="Yiii" typeface="Microsoft Yi Baiti"/>
+        <a:font script="Tibt" typeface="Microsoft Himalaya"/>
+        <a:font script="Thaa" typeface="MV Boli"/>
+        <a:font script="Deva" typeface="Mangal"/>
+        <a:font script="Telu" typeface="Gautami"/>
+        <a:font script="Taml" typeface="Latha"/>
+        <a:font script="Syrc" typeface="Estrangelo Edessa"/>
+        <a:font script="Orya" typeface="Kalinga"/>
+        <a:font script="Mlym" typeface="Kartika"/>
+        <a:font script="Laoo" typeface="DokChampa"/>
+        <a:font script="Sinh" typeface="Iskoola Pota"/>
+        <a:font script="Mong" typeface="Mongolian Baiti"/>
+        <a:font script="Viet" typeface="Arial"/>
+        <a:font script="Uigh" typeface="Microsoft Uighur"/>
+        <a:font script="Geor" typeface="Sylfaen"/>
+      </a:minorFont>
+    </a:fontScheme>
+    <a:fmtScheme name="Office">
+      <a:fillStyleLst>
+        <a:solidFill>
+          <a:schemeClr val="phClr"/>
+        </a:solidFill>
+        <a:gradFill rotWithShape="1">
+          <a:gsLst>
+            <a:gs pos="0">
+              <a:schemeClr val="phClr">
+                <a:tint val="50000"/>
+                <a:satMod val="300000"/>
+              </a:schemeClr>
+            </a:gs>
+            <a:gs pos="35000">
+              <a:schemeClr val="phClr">
+                <a:tint val="37000"/>
+                <a:satMod val="300000"/>
+              </a:schemeClr>
+            </a:gs>
+            <a:gs pos="100000">
+              <a:schemeClr val="phClr">
+                <a:tint val="15000"/>
+                <a:satMod val="350000"/>
+              </a:schemeClr>
+            </a:gs>
+          </a:gsLst>
+          <a:lin ang="16200000" scaled="1"/>
+        </a:gradFill>
+        <a:gradFill rotWithShape="1">
+          <a:gsLst>
+            <a:gs pos="0">
+              <a:schemeClr val="phClr">
+                <a:tint val="100000"/>
+                <a:shade val="100000"/>
+                <a:satMod val="130000"/>
+              </a:schemeClr>
+            </a:gs>
+            <a:gs pos="100000">
+              <a:schemeClr val="phClr">
+                <a:tint val="50000"/>
+                <a:shade val="100000"/>
+                <a:satMod val="350000"/>
+              </a:schemeClr>
+            </a:gs>
+          </a:gsLst>
+          <a:lin ang="16200000" scaled="0"/>
+        </a:gradFill>
+      </a:fillStyleLst>
+      <a:lnStyleLst>
+        <a:ln w="9525" cap="flat" cmpd="sng" algn="ctr">
+          <a:solidFill>
+            <a:schemeClr val="phClr">
+              <a:shade val="95000"/>
+              <a:satMod val="105000"/>
+            </a:schemeClr>
+          </a:solidFill>
+          <a:prstDash val="solid"/>
+        </a:ln>
+        <a:ln w="25400" cap="flat" cmpd="sng" algn="ctr">
+          <a:solidFill>
+            <a:schemeClr val="phClr"/>
+          </a:solidFill>
+          <a:prstDash val="solid"/>
+        </a:ln>
+        <a:ln w="38100" cap="flat" cmpd="sng" algn="ctr">
+          <a:solidFill>
+            <a:schemeClr val="phClr"/>
+          </a:solidFill>
+          <a:prstDash val="solid"/>
+        </a:ln>
+      </a:lnStyleLst>
+      <a:effectStyleLst>
+        <a:effectStyle>
+          <a:effectLst>
+            <a:outerShdw blurRad="40000" dist="20000" dir="5400000" rotWithShape="0">
+              <a:srgbClr val="000000">
+                <a:alpha val="38000"/>
+              </a:srgbClr>
+            </a:outerShdw>
+          </a:effectLst>
+        </a:effectStyle>
+        <a:effectStyle>
+          <a:effectLst>
+            <a:outerShdw blurRad="40000" dist="23000" dir="5400000" rotWithShape="0">
+              <a:srgbClr val="000000">
+                <a:alpha val="35000"/>
+              </a:srgbClr>
+            </a:outerShdw>
+          </a:effectLst>
+        </a:effectStyle>
+        <a:effectStyle>
+          <a:effectLst>
+            <a:outerShdw blurRad="40000" dist="23000" dir="5400000" rotWithShape="0">
+              <a:srgbClr val="000000">
+                <a:alpha val="35000"/>
+              </a:srgbClr>
+            </a:outerShdw>
+          </a:effectLst>
+          <a:scene3d>
+            <a:camera prst="orthographicFront">
+              <a:rot lat="0" lon="0" rev="0"/>
+            </a:camera>
+            <a:lightRig rig="threePt" dir="t">
+              <a:rot lat="0" lon="0" rev="1200000"/>
+            </a:lightRig>
+          </a:scene3d>
+          <a:sp3d>
+            <a:bevelT w="63500" h="25400"/>
+          </a:sp3d>
+        </a:effectStyle>
+      </a:effectStyleLst>
+      <a:bgFillStyleLst>
+        <a:solidFill>
+          <a:schemeClr val="phClr"/>
+        </a:solidFill>
+        <a:gradFill rotWithShape="1">
+          <a:gsLst>
+            <a:gs pos="0">
+              <a:schemeClr val="phClr">
+                <a:tint val="40000"/>
+                <a:satMod val="350000"/>
+              </a:schemeClr>
+            </a:gs>
+            <a:gs pos="40000">
+              <a:schemeClr val="phClr">
+                <a:tint val="45000"/>
+                <a:shade val="99000"/>
+                <a:satMod val="350000"/>
+              </a:schemeClr>
+            </a:gs>
+            <a:gs pos="100000">
+              <a:schemeClr val="phClr">
+                <a:shade val="20000"/>
+                <a:satMod val="255000"/>
+              </a:schemeClr>
+            </a:gs>
+          </a:gsLst>
+          <a:path path="circle">
+            <a:fillToRect l="50000" t="-80000" r="50000" b="180000"/>
+          </a:path>
+        </a:gradFill>
+        <a:gradFill rotWithShape="1">
+          <a:gsLst>
+            <a:gs pos="0">
+              <a:schemeClr val="phClr">
+                <a:tint val="80000"/>
+                <a:satMod val="300000"/>
+              </a:schemeClr>
+            </a:gs>
+            <a:gs pos="100000">
+              <a:schemeClr val="phClr">
+                <a:shade val="30000"/>
+                <a:satMod val="200000"/>
+              </a:schemeClr>
+            </a:gs>
+          </a:gsLst>
+          <a:path path="circle">
+            <a:fillToRect l="50000" t="50000" r="50000" b="50000"/>
+          </a:path>
+        </a:gradFill>
+      </a:bgFillStyleLst>
+    </a:fmtScheme>
+  </a:themeElements>
+</a:theme>
+</file>
+
+<file path=ppt/theme/theme2.xml><?xml version="1.0" encoding="utf-8"?>
 <a:theme xmlns:a="http://schemas.openxmlformats.org/drawingml/2006/main" xmlns:r="http://schemas.openxmlformats.org/officeDocument/2006/relationships" name="Simple Light">
   <a:themeElements>
     <a:clrScheme name="Simple Light">
@@ -10936,283 +11185,4 @@
     </a:fmtScheme>
   </a:themeElements>
 </a:theme>
-</file>
-
-<file path=ppt/theme/theme2.xml><?xml version="1.0" encoding="utf-8"?>
-<a:theme xmlns:a="http://schemas.openxmlformats.org/drawingml/2006/main" xmlns:r="http://schemas.openxmlformats.org/officeDocument/2006/relationships">
-  <a:themeElements>
-    <a:clrScheme name="Default">
-      <a:dk1>
-        <a:srgbClr val="000000"/>
-      </a:dk1>
-      <a:lt1>
-        <a:srgbClr val="FFFFFF"/>
-      </a:lt1>
-      <a:dk2>
-        <a:srgbClr val="158158"/>
-      </a:dk2>
-      <a:lt2>
-        <a:srgbClr val="F3F3F3"/>
-      </a:lt2>
-      <a:accent1>
-        <a:srgbClr val="058DC7"/>
-      </a:accent1>
-      <a:accent2>
-        <a:srgbClr val="50B432"/>
-      </a:accent2>
-      <a:accent3>
-        <a:srgbClr val="ED561B"/>
-      </a:accent3>
-      <a:accent4>
-        <a:srgbClr val="EDEF00"/>
-      </a:accent4>
-      <a:accent5>
-        <a:srgbClr val="24CBE5"/>
-      </a:accent5>
-      <a:accent6>
-        <a:srgbClr val="64E572"/>
-      </a:accent6>
-      <a:hlink>
-        <a:srgbClr val="2200CC"/>
-      </a:hlink>
-      <a:folHlink>
-        <a:srgbClr val="551A8B"/>
-      </a:folHlink>
-    </a:clrScheme>
-    <a:fontScheme name="Office">
-      <a:majorFont>
-        <a:latin typeface="Arial"/>
-        <a:ea typeface=""/>
-        <a:cs typeface=""/>
-        <a:font script="Jpan" typeface="ＭＳ Ｐゴシック"/>
-        <a:font script="Hang" typeface="맑은 고딕"/>
-        <a:font script="Hans" typeface="宋体"/>
-        <a:font script="Hant" typeface="新細明體"/>
-        <a:font script="Arab" typeface="Times New Roman"/>
-        <a:font script="Hebr" typeface="Times New Roman"/>
-        <a:font script="Thai" typeface="Angsana New"/>
-        <a:font script="Ethi" typeface="Nyala"/>
-        <a:font script="Beng" typeface="Vrinda"/>
-        <a:font script="Gujr" typeface="Shruti"/>
-        <a:font script="Khmr" typeface="MoolBoran"/>
-        <a:font script="Knda" typeface="Tunga"/>
-        <a:font script="Guru" typeface="Raavi"/>
-        <a:font script="Cans" typeface="Euphemia"/>
-        <a:font script="Cher" typeface="Plantagenet Cherokee"/>
-        <a:font script="Yiii" typeface="Microsoft Yi Baiti"/>
-        <a:font script="Tibt" typeface="Microsoft Himalaya"/>
-        <a:font script="Thaa" typeface="MV Boli"/>
-        <a:font script="Deva" typeface="Mangal"/>
-        <a:font script="Telu" typeface="Gautami"/>
-        <a:font script="Taml" typeface="Latha"/>
-        <a:font script="Syrc" typeface="Estrangelo Edessa"/>
-        <a:font script="Orya" typeface="Kalinga"/>
-        <a:font script="Mlym" typeface="Kartika"/>
-        <a:font script="Laoo" typeface="DokChampa"/>
-        <a:font script="Sinh" typeface="Iskoola Pota"/>
-        <a:font script="Mong" typeface="Mongolian Baiti"/>
-        <a:font script="Viet" typeface="Times New Roman"/>
-        <a:font script="Uigh" typeface="Microsoft Uighur"/>
-        <a:font script="Geor" typeface="Sylfaen"/>
-      </a:majorFont>
-      <a:minorFont>
-        <a:latin typeface="Arial"/>
-        <a:ea typeface=""/>
-        <a:cs typeface=""/>
-        <a:font script="Jpan" typeface="ＭＳ Ｐゴシック"/>
-        <a:font script="Hang" typeface="맑은 고딕"/>
-        <a:font script="Hans" typeface="宋体"/>
-        <a:font script="Hant" typeface="新細明體"/>
-        <a:font script="Arab" typeface="Arial"/>
-        <a:font script="Hebr" typeface="Arial"/>
-        <a:font script="Thai" typeface="Cordia New"/>
-        <a:font script="Ethi" typeface="Nyala"/>
-        <a:font script="Beng" typeface="Vrinda"/>
-        <a:font script="Gujr" typeface="Shruti"/>
-        <a:font script="Khmr" typeface="DaunPenh"/>
-        <a:font script="Knda" typeface="Tunga"/>
-        <a:font script="Guru" typeface="Raavi"/>
-        <a:font script="Cans" typeface="Euphemia"/>
-        <a:font script="Cher" typeface="Plantagenet Cherokee"/>
-        <a:font script="Yiii" typeface="Microsoft Yi Baiti"/>
-        <a:font script="Tibt" typeface="Microsoft Himalaya"/>
-        <a:font script="Thaa" typeface="MV Boli"/>
-        <a:font script="Deva" typeface="Mangal"/>
-        <a:font script="Telu" typeface="Gautami"/>
-        <a:font script="Taml" typeface="Latha"/>
-        <a:font script="Syrc" typeface="Estrangelo Edessa"/>
-        <a:font script="Orya" typeface="Kalinga"/>
-        <a:font script="Mlym" typeface="Kartika"/>
-        <a:font script="Laoo" typeface="DokChampa"/>
-        <a:font script="Sinh" typeface="Iskoola Pota"/>
-        <a:font script="Mong" typeface="Mongolian Baiti"/>
-        <a:font script="Viet" typeface="Arial"/>
-        <a:font script="Uigh" typeface="Microsoft Uighur"/>
-        <a:font script="Geor" typeface="Sylfaen"/>
-      </a:minorFont>
-    </a:fontScheme>
-    <a:fmtScheme name="Office">
-      <a:fillStyleLst>
-        <a:solidFill>
-          <a:schemeClr val="phClr"/>
-        </a:solidFill>
-        <a:gradFill rotWithShape="1">
-          <a:gsLst>
-            <a:gs pos="0">
-              <a:schemeClr val="phClr">
-                <a:tint val="50000"/>
-                <a:satMod val="300000"/>
-              </a:schemeClr>
-            </a:gs>
-            <a:gs pos="35000">
-              <a:schemeClr val="phClr">
-                <a:tint val="37000"/>
-                <a:satMod val="300000"/>
-              </a:schemeClr>
-            </a:gs>
-            <a:gs pos="100000">
-              <a:schemeClr val="phClr">
-                <a:tint val="15000"/>
-                <a:satMod val="350000"/>
-              </a:schemeClr>
-            </a:gs>
-          </a:gsLst>
-          <a:lin ang="16200000" scaled="1"/>
-        </a:gradFill>
-        <a:gradFill rotWithShape="1">
-          <a:gsLst>
-            <a:gs pos="0">
-              <a:schemeClr val="phClr">
-                <a:tint val="100000"/>
-                <a:shade val="100000"/>
-                <a:satMod val="130000"/>
-              </a:schemeClr>
-            </a:gs>
-            <a:gs pos="100000">
-              <a:schemeClr val="phClr">
-                <a:tint val="50000"/>
-                <a:shade val="100000"/>
-                <a:satMod val="350000"/>
-              </a:schemeClr>
-            </a:gs>
-          </a:gsLst>
-          <a:lin ang="16200000" scaled="0"/>
-        </a:gradFill>
-      </a:fillStyleLst>
-      <a:lnStyleLst>
-        <a:ln w="9525" cap="flat" cmpd="sng" algn="ctr">
-          <a:solidFill>
-            <a:schemeClr val="phClr">
-              <a:shade val="95000"/>
-              <a:satMod val="105000"/>
-            </a:schemeClr>
-          </a:solidFill>
-          <a:prstDash val="solid"/>
-        </a:ln>
-        <a:ln w="25400" cap="flat" cmpd="sng" algn="ctr">
-          <a:solidFill>
-            <a:schemeClr val="phClr"/>
-          </a:solidFill>
-          <a:prstDash val="solid"/>
-        </a:ln>
-        <a:ln w="38100" cap="flat" cmpd="sng" algn="ctr">
-          <a:solidFill>
-            <a:schemeClr val="phClr"/>
-          </a:solidFill>
-          <a:prstDash val="solid"/>
-        </a:ln>
-      </a:lnStyleLst>
-      <a:effectStyleLst>
-        <a:effectStyle>
-          <a:effectLst>
-            <a:outerShdw blurRad="40000" dist="20000" dir="5400000" rotWithShape="0">
-              <a:srgbClr val="000000">
-                <a:alpha val="38000"/>
-              </a:srgbClr>
-            </a:outerShdw>
-          </a:effectLst>
-        </a:effectStyle>
-        <a:effectStyle>
-          <a:effectLst>
-            <a:outerShdw blurRad="40000" dist="23000" dir="5400000" rotWithShape="0">
-              <a:srgbClr val="000000">
-                <a:alpha val="35000"/>
-              </a:srgbClr>
-            </a:outerShdw>
-          </a:effectLst>
-        </a:effectStyle>
-        <a:effectStyle>
-          <a:effectLst>
-            <a:outerShdw blurRad="40000" dist="23000" dir="5400000" rotWithShape="0">
-              <a:srgbClr val="000000">
-                <a:alpha val="35000"/>
-              </a:srgbClr>
-            </a:outerShdw>
-          </a:effectLst>
-          <a:scene3d>
-            <a:camera prst="orthographicFront">
-              <a:rot lat="0" lon="0" rev="0"/>
-            </a:camera>
-            <a:lightRig rig="threePt" dir="t">
-              <a:rot lat="0" lon="0" rev="1200000"/>
-            </a:lightRig>
-          </a:scene3d>
-          <a:sp3d>
-            <a:bevelT w="63500" h="25400"/>
-          </a:sp3d>
-        </a:effectStyle>
-      </a:effectStyleLst>
-      <a:bgFillStyleLst>
-        <a:solidFill>
-          <a:schemeClr val="phClr"/>
-        </a:solidFill>
-        <a:gradFill rotWithShape="1">
-          <a:gsLst>
-            <a:gs pos="0">
-              <a:schemeClr val="phClr">
-                <a:tint val="40000"/>
-                <a:satMod val="350000"/>
-              </a:schemeClr>
-            </a:gs>
-            <a:gs pos="40000">
-              <a:schemeClr val="phClr">
-                <a:tint val="45000"/>
-                <a:shade val="99000"/>
-                <a:satMod val="350000"/>
-              </a:schemeClr>
-            </a:gs>
-            <a:gs pos="100000">
-              <a:schemeClr val="phClr">
-                <a:shade val="20000"/>
-                <a:satMod val="255000"/>
-              </a:schemeClr>
-            </a:gs>
-          </a:gsLst>
-          <a:path path="circle">
-            <a:fillToRect l="50000" t="-80000" r="50000" b="180000"/>
-          </a:path>
-        </a:gradFill>
-        <a:gradFill rotWithShape="1">
-          <a:gsLst>
-            <a:gs pos="0">
-              <a:schemeClr val="phClr">
-                <a:tint val="80000"/>
-                <a:satMod val="300000"/>
-              </a:schemeClr>
-            </a:gs>
-            <a:gs pos="100000">
-              <a:schemeClr val="phClr">
-                <a:shade val="30000"/>
-                <a:satMod val="200000"/>
-              </a:schemeClr>
-            </a:gs>
-          </a:gsLst>
-          <a:path path="circle">
-            <a:fillToRect l="50000" t="50000" r="50000" b="50000"/>
-          </a:path>
-        </a:gradFill>
-      </a:bgFillStyleLst>
-    </a:fmtScheme>
-  </a:themeElements>
-</a:theme>
 </file>